--- a/public/MEG_task/Stimuli/MEG_slides_o1.pptx
+++ b/public/MEG_task/Stimuli/MEG_slides_o1.pptx
@@ -247,7 +247,7 @@
           <a:p>
             <a:fld id="{7BAD817C-F5A6-4179-89BB-D92A098D9A2C}" type="datetimeFigureOut">
               <a:rPr lang="en-GB" smtClean="0"/>
-              <a:t>24/10/2019</a:t>
+              <a:t>27/10/2019</a:t>
             </a:fld>
             <a:endParaRPr lang="en-GB"/>
           </a:p>
@@ -417,7 +417,7 @@
           <a:p>
             <a:fld id="{7BAD817C-F5A6-4179-89BB-D92A098D9A2C}" type="datetimeFigureOut">
               <a:rPr lang="en-GB" smtClean="0"/>
-              <a:t>24/10/2019</a:t>
+              <a:t>27/10/2019</a:t>
             </a:fld>
             <a:endParaRPr lang="en-GB"/>
           </a:p>
@@ -597,7 +597,7 @@
           <a:p>
             <a:fld id="{7BAD817C-F5A6-4179-89BB-D92A098D9A2C}" type="datetimeFigureOut">
               <a:rPr lang="en-GB" smtClean="0"/>
-              <a:t>24/10/2019</a:t>
+              <a:t>27/10/2019</a:t>
             </a:fld>
             <a:endParaRPr lang="en-GB"/>
           </a:p>
@@ -767,7 +767,7 @@
           <a:p>
             <a:fld id="{7BAD817C-F5A6-4179-89BB-D92A098D9A2C}" type="datetimeFigureOut">
               <a:rPr lang="en-GB" smtClean="0"/>
-              <a:t>24/10/2019</a:t>
+              <a:t>27/10/2019</a:t>
             </a:fld>
             <a:endParaRPr lang="en-GB"/>
           </a:p>
@@ -1011,7 +1011,7 @@
           <a:p>
             <a:fld id="{7BAD817C-F5A6-4179-89BB-D92A098D9A2C}" type="datetimeFigureOut">
               <a:rPr lang="en-GB" smtClean="0"/>
-              <a:t>24/10/2019</a:t>
+              <a:t>27/10/2019</a:t>
             </a:fld>
             <a:endParaRPr lang="en-GB"/>
           </a:p>
@@ -1243,7 +1243,7 @@
           <a:p>
             <a:fld id="{7BAD817C-F5A6-4179-89BB-D92A098D9A2C}" type="datetimeFigureOut">
               <a:rPr lang="en-GB" smtClean="0"/>
-              <a:t>24/10/2019</a:t>
+              <a:t>27/10/2019</a:t>
             </a:fld>
             <a:endParaRPr lang="en-GB"/>
           </a:p>
@@ -1610,7 +1610,7 @@
           <a:p>
             <a:fld id="{7BAD817C-F5A6-4179-89BB-D92A098D9A2C}" type="datetimeFigureOut">
               <a:rPr lang="en-GB" smtClean="0"/>
-              <a:t>24/10/2019</a:t>
+              <a:t>27/10/2019</a:t>
             </a:fld>
             <a:endParaRPr lang="en-GB"/>
           </a:p>
@@ -1728,7 +1728,7 @@
           <a:p>
             <a:fld id="{7BAD817C-F5A6-4179-89BB-D92A098D9A2C}" type="datetimeFigureOut">
               <a:rPr lang="en-GB" smtClean="0"/>
-              <a:t>24/10/2019</a:t>
+              <a:t>27/10/2019</a:t>
             </a:fld>
             <a:endParaRPr lang="en-GB"/>
           </a:p>
@@ -1823,7 +1823,7 @@
           <a:p>
             <a:fld id="{7BAD817C-F5A6-4179-89BB-D92A098D9A2C}" type="datetimeFigureOut">
               <a:rPr lang="en-GB" smtClean="0"/>
-              <a:t>24/10/2019</a:t>
+              <a:t>27/10/2019</a:t>
             </a:fld>
             <a:endParaRPr lang="en-GB"/>
           </a:p>
@@ -2100,7 +2100,7 @@
           <a:p>
             <a:fld id="{7BAD817C-F5A6-4179-89BB-D92A098D9A2C}" type="datetimeFigureOut">
               <a:rPr lang="en-GB" smtClean="0"/>
-              <a:t>24/10/2019</a:t>
+              <a:t>27/10/2019</a:t>
             </a:fld>
             <a:endParaRPr lang="en-GB"/>
           </a:p>
@@ -2357,7 +2357,7 @@
           <a:p>
             <a:fld id="{7BAD817C-F5A6-4179-89BB-D92A098D9A2C}" type="datetimeFigureOut">
               <a:rPr lang="en-GB" smtClean="0"/>
-              <a:t>24/10/2019</a:t>
+              <a:t>27/10/2019</a:t>
             </a:fld>
             <a:endParaRPr lang="en-GB"/>
           </a:p>
@@ -2570,7 +2570,7 @@
           <a:p>
             <a:fld id="{7BAD817C-F5A6-4179-89BB-D92A098D9A2C}" type="datetimeFigureOut">
               <a:rPr lang="en-GB" smtClean="0"/>
-              <a:t>24/10/2019</a:t>
+              <a:t>27/10/2019</a:t>
             </a:fld>
             <a:endParaRPr lang="en-GB"/>
           </a:p>
@@ -4164,7 +4164,7 @@
         </p:spPr>
         <p:txBody>
           <a:bodyPr>
-            <a:normAutofit fontScale="70000" lnSpcReduction="20000"/>
+            <a:normAutofit fontScale="85000" lnSpcReduction="20000"/>
           </a:bodyPr>
           <a:lstStyle/>
           <a:p>
@@ -4176,37 +4176,39 @@
           <a:p>
             <a:r>
               <a:rPr lang="en-GB" dirty="0" smtClean="0"/>
-              <a:t>In this task playing a SLOT machine will always provide the GIRL or SCISSORS banknotes. Rejecting will always provide </a:t>
-            </a:r>
-            <a:r>
-              <a:rPr lang="en-GB" smtClean="0"/>
-              <a:t>the </a:t>
-            </a:r>
-            <a:r>
-              <a:rPr lang="en-GB" smtClean="0"/>
-              <a:t>HOUSE </a:t>
-            </a:r>
+              <a:t>In this task playing a SLOT machine will always provide the GIRL or SCISSORS banknotes. Rejecting will always provide the HOUSE banknote.</a:t>
+            </a:r>
+          </a:p>
+          <a:p>
             <a:r>
               <a:rPr lang="en-GB" dirty="0" smtClean="0"/>
-              <a:t>banknote.</a:t>
-            </a:r>
-          </a:p>
-          <a:p>
+              <a:t>You’ll now have a chance to repeatedly </a:t>
+            </a:r>
             <a:r>
               <a:rPr lang="en-GB" dirty="0" smtClean="0"/>
-              <a:t>You’ll now have a chance to repeatedly study and be quizzed on the chances that each slot machine produces either banknote.</a:t>
-            </a:r>
-          </a:p>
-          <a:p>
+              <a:t>study, experience, and </a:t>
+            </a:r>
             <a:r>
               <a:rPr lang="en-GB" dirty="0" smtClean="0"/>
-              <a:t>We’ll complete 12 rounds of studying and then quizzing. </a:t>
-            </a:r>
-          </a:p>
-          <a:p>
+              <a:t>be </a:t>
+            </a:r>
             <a:r>
               <a:rPr lang="en-GB" dirty="0" smtClean="0"/>
-              <a:t>When you are ready to start, press 4.</a:t>
+              <a:t>tested </a:t>
+            </a:r>
+            <a:r>
+              <a:rPr lang="en-GB" dirty="0" smtClean="0"/>
+              <a:t>on the chances that each slot machine produces either banknote.</a:t>
+            </a:r>
+          </a:p>
+          <a:p>
+            <a:r>
+              <a:rPr lang="en-GB" dirty="0" smtClean="0"/>
+              <a:t>When </a:t>
+            </a:r>
+            <a:r>
+              <a:rPr lang="en-GB" dirty="0" smtClean="0"/>
+              <a:t>you are ready to start, press 4.</a:t>
             </a:r>
           </a:p>
         </p:txBody>

--- a/public/MEG_task/Stimuli/MEG_slides_o1.pptx
+++ b/public/MEG_task/Stimuli/MEG_slides_o1.pptx
@@ -247,7 +247,7 @@
           <a:p>
             <a:fld id="{7BAD817C-F5A6-4179-89BB-D92A098D9A2C}" type="datetimeFigureOut">
               <a:rPr lang="en-GB" smtClean="0"/>
-              <a:t>27/10/2019</a:t>
+              <a:t>10/11/2019</a:t>
             </a:fld>
             <a:endParaRPr lang="en-GB"/>
           </a:p>
@@ -417,7 +417,7 @@
           <a:p>
             <a:fld id="{7BAD817C-F5A6-4179-89BB-D92A098D9A2C}" type="datetimeFigureOut">
               <a:rPr lang="en-GB" smtClean="0"/>
-              <a:t>27/10/2019</a:t>
+              <a:t>10/11/2019</a:t>
             </a:fld>
             <a:endParaRPr lang="en-GB"/>
           </a:p>
@@ -597,7 +597,7 @@
           <a:p>
             <a:fld id="{7BAD817C-F5A6-4179-89BB-D92A098D9A2C}" type="datetimeFigureOut">
               <a:rPr lang="en-GB" smtClean="0"/>
-              <a:t>27/10/2019</a:t>
+              <a:t>10/11/2019</a:t>
             </a:fld>
             <a:endParaRPr lang="en-GB"/>
           </a:p>
@@ -767,7 +767,7 @@
           <a:p>
             <a:fld id="{7BAD817C-F5A6-4179-89BB-D92A098D9A2C}" type="datetimeFigureOut">
               <a:rPr lang="en-GB" smtClean="0"/>
-              <a:t>27/10/2019</a:t>
+              <a:t>10/11/2019</a:t>
             </a:fld>
             <a:endParaRPr lang="en-GB"/>
           </a:p>
@@ -1011,7 +1011,7 @@
           <a:p>
             <a:fld id="{7BAD817C-F5A6-4179-89BB-D92A098D9A2C}" type="datetimeFigureOut">
               <a:rPr lang="en-GB" smtClean="0"/>
-              <a:t>27/10/2019</a:t>
+              <a:t>10/11/2019</a:t>
             </a:fld>
             <a:endParaRPr lang="en-GB"/>
           </a:p>
@@ -1243,7 +1243,7 @@
           <a:p>
             <a:fld id="{7BAD817C-F5A6-4179-89BB-D92A098D9A2C}" type="datetimeFigureOut">
               <a:rPr lang="en-GB" smtClean="0"/>
-              <a:t>27/10/2019</a:t>
+              <a:t>10/11/2019</a:t>
             </a:fld>
             <a:endParaRPr lang="en-GB"/>
           </a:p>
@@ -1610,7 +1610,7 @@
           <a:p>
             <a:fld id="{7BAD817C-F5A6-4179-89BB-D92A098D9A2C}" type="datetimeFigureOut">
               <a:rPr lang="en-GB" smtClean="0"/>
-              <a:t>27/10/2019</a:t>
+              <a:t>10/11/2019</a:t>
             </a:fld>
             <a:endParaRPr lang="en-GB"/>
           </a:p>
@@ -1728,7 +1728,7 @@
           <a:p>
             <a:fld id="{7BAD817C-F5A6-4179-89BB-D92A098D9A2C}" type="datetimeFigureOut">
               <a:rPr lang="en-GB" smtClean="0"/>
-              <a:t>27/10/2019</a:t>
+              <a:t>10/11/2019</a:t>
             </a:fld>
             <a:endParaRPr lang="en-GB"/>
           </a:p>
@@ -1823,7 +1823,7 @@
           <a:p>
             <a:fld id="{7BAD817C-F5A6-4179-89BB-D92A098D9A2C}" type="datetimeFigureOut">
               <a:rPr lang="en-GB" smtClean="0"/>
-              <a:t>27/10/2019</a:t>
+              <a:t>10/11/2019</a:t>
             </a:fld>
             <a:endParaRPr lang="en-GB"/>
           </a:p>
@@ -2100,7 +2100,7 @@
           <a:p>
             <a:fld id="{7BAD817C-F5A6-4179-89BB-D92A098D9A2C}" type="datetimeFigureOut">
               <a:rPr lang="en-GB" smtClean="0"/>
-              <a:t>27/10/2019</a:t>
+              <a:t>10/11/2019</a:t>
             </a:fld>
             <a:endParaRPr lang="en-GB"/>
           </a:p>
@@ -2357,7 +2357,7 @@
           <a:p>
             <a:fld id="{7BAD817C-F5A6-4179-89BB-D92A098D9A2C}" type="datetimeFigureOut">
               <a:rPr lang="en-GB" smtClean="0"/>
-              <a:t>27/10/2019</a:t>
+              <a:t>10/11/2019</a:t>
             </a:fld>
             <a:endParaRPr lang="en-GB"/>
           </a:p>
@@ -2570,7 +2570,7 @@
           <a:p>
             <a:fld id="{7BAD817C-F5A6-4179-89BB-D92A098D9A2C}" type="datetimeFigureOut">
               <a:rPr lang="en-GB" smtClean="0"/>
-              <a:t>27/10/2019</a:t>
+              <a:t>10/11/2019</a:t>
             </a:fld>
             <a:endParaRPr lang="en-GB"/>
           </a:p>
@@ -4102,7 +4102,15 @@
           <a:p>
             <a:r>
               <a:rPr lang="en-GB" dirty="0" smtClean="0"/>
-              <a:t>You will complete 5 blocks of this task, each lasting about 5 minutes. Your accuracy on this task will affect your bonus payment.</a:t>
+              <a:t>You will complete </a:t>
+            </a:r>
+            <a:r>
+              <a:rPr lang="en-GB" dirty="0" smtClean="0"/>
+              <a:t>3 </a:t>
+            </a:r>
+            <a:r>
+              <a:rPr lang="en-GB" dirty="0" smtClean="0"/>
+              <a:t>blocks of this task, each lasting about 5 minutes. Your accuracy on this task will affect your bonus payment.</a:t>
             </a:r>
           </a:p>
           <a:p>
@@ -4182,33 +4190,13 @@
           <a:p>
             <a:r>
               <a:rPr lang="en-GB" dirty="0" smtClean="0"/>
-              <a:t>You’ll now have a chance to repeatedly </a:t>
-            </a:r>
+              <a:t>You’ll now have a chance to repeatedly study, experience, and be tested on the chances that each slot machine produces either banknote.</a:t>
+            </a:r>
+          </a:p>
+          <a:p>
             <a:r>
               <a:rPr lang="en-GB" dirty="0" smtClean="0"/>
-              <a:t>study, experience, and </a:t>
-            </a:r>
-            <a:r>
-              <a:rPr lang="en-GB" dirty="0" smtClean="0"/>
-              <a:t>be </a:t>
-            </a:r>
-            <a:r>
-              <a:rPr lang="en-GB" dirty="0" smtClean="0"/>
-              <a:t>tested </a:t>
-            </a:r>
-            <a:r>
-              <a:rPr lang="en-GB" dirty="0" smtClean="0"/>
-              <a:t>on the chances that each slot machine produces either banknote.</a:t>
-            </a:r>
-          </a:p>
-          <a:p>
-            <a:r>
-              <a:rPr lang="en-GB" dirty="0" smtClean="0"/>
-              <a:t>When </a:t>
-            </a:r>
-            <a:r>
-              <a:rPr lang="en-GB" dirty="0" smtClean="0"/>
-              <a:t>you are ready to start, press 4.</a:t>
+              <a:t>When you are ready to start, press 4.</a:t>
             </a:r>
           </a:p>
         </p:txBody>
